--- a/Posicionamiento y Sistemas de Direccion.pptx
+++ b/Posicionamiento y Sistemas de Direccion.pptx
@@ -16,7 +16,8 @@
     <p:sldId id="261" r:id="rId10"/>
     <p:sldId id="262" r:id="rId11"/>
     <p:sldId id="264" r:id="rId12"/>
-    <p:sldId id="265" r:id="rId13"/>
+    <p:sldId id="269" r:id="rId13"/>
+    <p:sldId id="265" r:id="rId14"/>
   </p:sldIdLst>
   <p:sldSz cx="12192000" cy="6858000"/>
   <p:notesSz cx="6858000" cy="9144000"/>
@@ -272,7 +273,7 @@
           <a:p>
             <a:fld id="{C1E9F23C-1F4B-4F7A-8416-B9138EE00C75}" type="datetimeFigureOut">
               <a:rPr lang="es-ES" smtClean="0"/>
-              <a:t>30/01/2019</a:t>
+              <a:t>06/02/2019</a:t>
             </a:fld>
             <a:endParaRPr lang="es-ES"/>
           </a:p>
@@ -472,7 +473,7 @@
           <a:p>
             <a:fld id="{C1E9F23C-1F4B-4F7A-8416-B9138EE00C75}" type="datetimeFigureOut">
               <a:rPr lang="es-ES" smtClean="0"/>
-              <a:t>30/01/2019</a:t>
+              <a:t>06/02/2019</a:t>
             </a:fld>
             <a:endParaRPr lang="es-ES"/>
           </a:p>
@@ -682,7 +683,7 @@
           <a:p>
             <a:fld id="{C1E9F23C-1F4B-4F7A-8416-B9138EE00C75}" type="datetimeFigureOut">
               <a:rPr lang="es-ES" smtClean="0"/>
-              <a:t>30/01/2019</a:t>
+              <a:t>06/02/2019</a:t>
             </a:fld>
             <a:endParaRPr lang="es-ES"/>
           </a:p>
@@ -882,7 +883,7 @@
           <a:p>
             <a:fld id="{C1E9F23C-1F4B-4F7A-8416-B9138EE00C75}" type="datetimeFigureOut">
               <a:rPr lang="es-ES" smtClean="0"/>
-              <a:t>30/01/2019</a:t>
+              <a:t>06/02/2019</a:t>
             </a:fld>
             <a:endParaRPr lang="es-ES"/>
           </a:p>
@@ -1158,7 +1159,7 @@
           <a:p>
             <a:fld id="{C1E9F23C-1F4B-4F7A-8416-B9138EE00C75}" type="datetimeFigureOut">
               <a:rPr lang="es-ES" smtClean="0"/>
-              <a:t>30/01/2019</a:t>
+              <a:t>06/02/2019</a:t>
             </a:fld>
             <a:endParaRPr lang="es-ES"/>
           </a:p>
@@ -1426,7 +1427,7 @@
           <a:p>
             <a:fld id="{C1E9F23C-1F4B-4F7A-8416-B9138EE00C75}" type="datetimeFigureOut">
               <a:rPr lang="es-ES" smtClean="0"/>
-              <a:t>30/01/2019</a:t>
+              <a:t>06/02/2019</a:t>
             </a:fld>
             <a:endParaRPr lang="es-ES"/>
           </a:p>
@@ -1841,7 +1842,7 @@
           <a:p>
             <a:fld id="{C1E9F23C-1F4B-4F7A-8416-B9138EE00C75}" type="datetimeFigureOut">
               <a:rPr lang="es-ES" smtClean="0"/>
-              <a:t>30/01/2019</a:t>
+              <a:t>06/02/2019</a:t>
             </a:fld>
             <a:endParaRPr lang="es-ES"/>
           </a:p>
@@ -1983,7 +1984,7 @@
           <a:p>
             <a:fld id="{C1E9F23C-1F4B-4F7A-8416-B9138EE00C75}" type="datetimeFigureOut">
               <a:rPr lang="es-ES" smtClean="0"/>
-              <a:t>30/01/2019</a:t>
+              <a:t>06/02/2019</a:t>
             </a:fld>
             <a:endParaRPr lang="es-ES"/>
           </a:p>
@@ -2096,7 +2097,7 @@
           <a:p>
             <a:fld id="{C1E9F23C-1F4B-4F7A-8416-B9138EE00C75}" type="datetimeFigureOut">
               <a:rPr lang="es-ES" smtClean="0"/>
-              <a:t>30/01/2019</a:t>
+              <a:t>06/02/2019</a:t>
             </a:fld>
             <a:endParaRPr lang="es-ES"/>
           </a:p>
@@ -2409,7 +2410,7 @@
           <a:p>
             <a:fld id="{C1E9F23C-1F4B-4F7A-8416-B9138EE00C75}" type="datetimeFigureOut">
               <a:rPr lang="es-ES" smtClean="0"/>
-              <a:t>30/01/2019</a:t>
+              <a:t>06/02/2019</a:t>
             </a:fld>
             <a:endParaRPr lang="es-ES"/>
           </a:p>
@@ -2698,7 +2699,7 @@
           <a:p>
             <a:fld id="{C1E9F23C-1F4B-4F7A-8416-B9138EE00C75}" type="datetimeFigureOut">
               <a:rPr lang="es-ES" smtClean="0"/>
-              <a:t>30/01/2019</a:t>
+              <a:t>06/02/2019</a:t>
             </a:fld>
             <a:endParaRPr lang="es-ES"/>
           </a:p>
@@ -2941,7 +2942,7 @@
           <a:p>
             <a:fld id="{C1E9F23C-1F4B-4F7A-8416-B9138EE00C75}" type="datetimeFigureOut">
               <a:rPr lang="es-ES" smtClean="0"/>
-              <a:t>30/01/2019</a:t>
+              <a:t>06/02/2019</a:t>
             </a:fld>
             <a:endParaRPr lang="es-ES"/>
           </a:p>
@@ -4158,6 +4159,176 @@
           <p:cNvPr id="2" name="Title 1">
             <a:extLst>
               <a:ext uri="{FF2B5EF4-FFF2-40B4-BE49-F238E27FC236}">
+                <a16:creationId xmlns:a16="http://schemas.microsoft.com/office/drawing/2014/main" id="{40318077-F999-4359-8F39-7CF443DFC3BB}"/>
+              </a:ext>
+            </a:extLst>
+          </p:cNvPr>
+          <p:cNvSpPr>
+            <a:spLocks noGrp="1"/>
+          </p:cNvSpPr>
+          <p:nvPr>
+            <p:ph type="title"/>
+          </p:nvPr>
+        </p:nvSpPr>
+        <p:spPr/>
+        <p:txBody>
+          <a:bodyPr/>
+          <a:lstStyle/>
+          <a:p>
+            <a:r>
+              <a:rPr lang="es-ES" dirty="0"/>
+              <a:t>Codigo</a:t>
+            </a:r>
+          </a:p>
+        </p:txBody>
+      </p:sp>
+      <p:pic>
+        <p:nvPicPr>
+          <p:cNvPr id="7" name="Content Placeholder 6">
+            <a:extLst>
+              <a:ext uri="{FF2B5EF4-FFF2-40B4-BE49-F238E27FC236}">
+                <a16:creationId xmlns:a16="http://schemas.microsoft.com/office/drawing/2014/main" id="{CC7828CC-B2EB-47ED-9AD7-FB5D516B29B1}"/>
+              </a:ext>
+            </a:extLst>
+          </p:cNvPr>
+          <p:cNvPicPr>
+            <a:picLocks noGrp="1" noChangeAspect="1"/>
+          </p:cNvPicPr>
+          <p:nvPr>
+            <p:ph idx="1"/>
+          </p:nvPr>
+        </p:nvPicPr>
+        <p:blipFill>
+          <a:blip r:embed="rId2">
+            <a:extLst>
+              <a:ext uri="{28A0092B-C50C-407E-A947-70E740481C1C}">
+                <a14:useLocalDpi xmlns:a14="http://schemas.microsoft.com/office/drawing/2010/main" val="0"/>
+              </a:ext>
+            </a:extLst>
+          </a:blip>
+          <a:stretch>
+            <a:fillRect/>
+          </a:stretch>
+        </p:blipFill>
+        <p:spPr>
+          <a:xfrm>
+            <a:off x="838200" y="1690688"/>
+            <a:ext cx="3530600" cy="2994201"/>
+          </a:xfrm>
+        </p:spPr>
+      </p:pic>
+      <p:sp>
+        <p:nvSpPr>
+          <p:cNvPr id="8" name="TextBox 7">
+            <a:extLst>
+              <a:ext uri="{FF2B5EF4-FFF2-40B4-BE49-F238E27FC236}">
+                <a16:creationId xmlns:a16="http://schemas.microsoft.com/office/drawing/2014/main" id="{2C452537-2CEC-428E-B993-D0982504E2C4}"/>
+              </a:ext>
+            </a:extLst>
+          </p:cNvPr>
+          <p:cNvSpPr txBox="1"/>
+          <p:nvPr/>
+        </p:nvSpPr>
+        <p:spPr>
+          <a:xfrm>
+            <a:off x="5937956" y="3429000"/>
+            <a:ext cx="4120444" cy="923330"/>
+          </a:xfrm>
+          <a:prstGeom prst="rect">
+            <a:avLst/>
+          </a:prstGeom>
+          <a:noFill/>
+        </p:spPr>
+        <p:txBody>
+          <a:bodyPr wrap="square" rtlCol="0">
+            <a:spAutoFit/>
+          </a:bodyPr>
+          <a:lstStyle/>
+          <a:p>
+            <a:r>
+              <a:rPr lang="es-ES" dirty="0"/>
+              <a:t>Eliminamos el ultimo digito correspondiente a la coma que nos duvuelve la brujula</a:t>
+            </a:r>
+          </a:p>
+        </p:txBody>
+      </p:sp>
+      <p:cxnSp>
+        <p:nvCxnSpPr>
+          <p:cNvPr id="9" name="Straight Arrow Connector 8">
+            <a:extLst>
+              <a:ext uri="{FF2B5EF4-FFF2-40B4-BE49-F238E27FC236}">
+                <a16:creationId xmlns:a16="http://schemas.microsoft.com/office/drawing/2014/main" id="{BED1BEAD-0493-43B6-8112-BB9E5AB19C75}"/>
+              </a:ext>
+            </a:extLst>
+          </p:cNvPr>
+          <p:cNvCxnSpPr>
+            <a:cxnSpLocks/>
+            <a:stCxn id="8" idx="1"/>
+          </p:cNvCxnSpPr>
+          <p:nvPr/>
+        </p:nvCxnSpPr>
+        <p:spPr>
+          <a:xfrm flipH="1" flipV="1">
+            <a:off x="3781778" y="3429000"/>
+            <a:ext cx="2156178" cy="461665"/>
+          </a:xfrm>
+          <a:prstGeom prst="straightConnector1">
+            <a:avLst/>
+          </a:prstGeom>
+          <a:ln>
+            <a:tailEnd type="triangle"/>
+          </a:ln>
+        </p:spPr>
+        <p:style>
+          <a:lnRef idx="1">
+            <a:schemeClr val="accent1"/>
+          </a:lnRef>
+          <a:fillRef idx="0">
+            <a:schemeClr val="accent1"/>
+          </a:fillRef>
+          <a:effectRef idx="0">
+            <a:schemeClr val="accent1"/>
+          </a:effectRef>
+          <a:fontRef idx="minor">
+            <a:schemeClr val="tx1"/>
+          </a:fontRef>
+        </p:style>
+      </p:cxnSp>
+    </p:spTree>
+    <p:extLst>
+      <p:ext uri="{BB962C8B-B14F-4D97-AF65-F5344CB8AC3E}">
+        <p14:creationId xmlns:p14="http://schemas.microsoft.com/office/powerpoint/2010/main" val="212419896"/>
+      </p:ext>
+    </p:extLst>
+  </p:cSld>
+  <p:clrMapOvr>
+    <a:masterClrMapping/>
+  </p:clrMapOvr>
+</p:sld>
+</file>
+
+<file path=ppt/slides/slide13.xml><?xml version="1.0" encoding="utf-8"?>
+<p:sld xmlns:a="http://schemas.openxmlformats.org/drawingml/2006/main" xmlns:r="http://schemas.openxmlformats.org/officeDocument/2006/relationships" xmlns:p="http://schemas.openxmlformats.org/presentationml/2006/main">
+  <p:cSld>
+    <p:spTree>
+      <p:nvGrpSpPr>
+        <p:cNvPr id="1" name=""/>
+        <p:cNvGrpSpPr/>
+        <p:nvPr/>
+      </p:nvGrpSpPr>
+      <p:grpSpPr>
+        <a:xfrm>
+          <a:off x="0" y="0"/>
+          <a:ext cx="0" cy="0"/>
+          <a:chOff x="0" y="0"/>
+          <a:chExt cx="0" cy="0"/>
+        </a:xfrm>
+      </p:grpSpPr>
+      <p:sp>
+        <p:nvSpPr>
+          <p:cNvPr id="2" name="Title 1">
+            <a:extLst>
+              <a:ext uri="{FF2B5EF4-FFF2-40B4-BE49-F238E27FC236}">
                 <a16:creationId xmlns:a16="http://schemas.microsoft.com/office/drawing/2014/main" id="{19D6BC87-CA92-42CD-A2AF-B831AF335D88}"/>
               </a:ext>
             </a:extLst>
@@ -5466,7 +5637,15 @@
             </a:r>
             <a:r>
               <a:rPr lang="en-US" sz="2000" dirty="0"/>
-              <a:t> y prove de un </a:t>
+              <a:t> y </a:t>
+            </a:r>
+            <a:r>
+              <a:rPr lang="en-US" sz="2000" dirty="0" err="1"/>
+              <a:t>provee</a:t>
+            </a:r>
+            <a:r>
+              <a:rPr lang="en-US" sz="2000" dirty="0"/>
+              <a:t> de un </a:t>
             </a:r>
             <a:r>
               <a:rPr lang="en-US" sz="2000" dirty="0" err="1"/>
@@ -5631,11 +5810,88 @@
         </p:blipFill>
         <p:spPr>
           <a:xfrm>
-            <a:off x="838200" y="1690688"/>
+            <a:off x="838200" y="1678463"/>
             <a:ext cx="8024446" cy="4147404"/>
           </a:xfrm>
         </p:spPr>
       </p:pic>
+      <p:sp>
+        <p:nvSpPr>
+          <p:cNvPr id="3" name="TextBox 2">
+            <a:extLst>
+              <a:ext uri="{FF2B5EF4-FFF2-40B4-BE49-F238E27FC236}">
+                <a16:creationId xmlns:a16="http://schemas.microsoft.com/office/drawing/2014/main" id="{3B8BD6AB-4941-4644-8EFE-941A92145697}"/>
+              </a:ext>
+            </a:extLst>
+          </p:cNvPr>
+          <p:cNvSpPr txBox="1"/>
+          <p:nvPr/>
+        </p:nvSpPr>
+        <p:spPr>
+          <a:xfrm>
+            <a:off x="6254044" y="3429000"/>
+            <a:ext cx="4075289" cy="646331"/>
+          </a:xfrm>
+          <a:prstGeom prst="rect">
+            <a:avLst/>
+          </a:prstGeom>
+          <a:noFill/>
+        </p:spPr>
+        <p:txBody>
+          <a:bodyPr wrap="square" rtlCol="0">
+            <a:spAutoFit/>
+          </a:bodyPr>
+          <a:lstStyle/>
+          <a:p>
+            <a:r>
+              <a:rPr lang="es-ES" dirty="0"/>
+              <a:t>Especificamos que solo queremos leer del modo nmea</a:t>
+            </a:r>
+          </a:p>
+        </p:txBody>
+      </p:sp>
+      <p:cxnSp>
+        <p:nvCxnSpPr>
+          <p:cNvPr id="6" name="Straight Arrow Connector 5">
+            <a:extLst>
+              <a:ext uri="{FF2B5EF4-FFF2-40B4-BE49-F238E27FC236}">
+                <a16:creationId xmlns:a16="http://schemas.microsoft.com/office/drawing/2014/main" id="{3ACC1341-1E71-4D9F-8312-7689F45C04A9}"/>
+              </a:ext>
+            </a:extLst>
+          </p:cNvPr>
+          <p:cNvCxnSpPr>
+            <a:cxnSpLocks/>
+            <a:stCxn id="3" idx="1"/>
+          </p:cNvCxnSpPr>
+          <p:nvPr/>
+        </p:nvCxnSpPr>
+        <p:spPr>
+          <a:xfrm flipH="1">
+            <a:off x="4850423" y="3752166"/>
+            <a:ext cx="1403621" cy="650501"/>
+          </a:xfrm>
+          <a:prstGeom prst="straightConnector1">
+            <a:avLst/>
+          </a:prstGeom>
+          <a:ln>
+            <a:tailEnd type="triangle"/>
+          </a:ln>
+        </p:spPr>
+        <p:style>
+          <a:lnRef idx="1">
+            <a:schemeClr val="accent1"/>
+          </a:lnRef>
+          <a:fillRef idx="0">
+            <a:schemeClr val="accent1"/>
+          </a:fillRef>
+          <a:effectRef idx="0">
+            <a:schemeClr val="accent1"/>
+          </a:effectRef>
+          <a:fontRef idx="minor">
+            <a:schemeClr val="tx1"/>
+          </a:fontRef>
+        </p:style>
+      </p:cxnSp>
     </p:spTree>
     <p:extLst>
       <p:ext uri="{BB962C8B-B14F-4D97-AF65-F5344CB8AC3E}">
@@ -5812,6 +6068,125 @@
           </a:prstGeom>
         </p:spPr>
       </p:pic>
+      <p:sp>
+        <p:nvSpPr>
+          <p:cNvPr id="2" name="TextBox 1">
+            <a:extLst>
+              <a:ext uri="{FF2B5EF4-FFF2-40B4-BE49-F238E27FC236}">
+                <a16:creationId xmlns:a16="http://schemas.microsoft.com/office/drawing/2014/main" id="{4F5D1AC8-301E-477B-98A6-C4F14605841D}"/>
+              </a:ext>
+            </a:extLst>
+          </p:cNvPr>
+          <p:cNvSpPr txBox="1"/>
+          <p:nvPr/>
+        </p:nvSpPr>
+        <p:spPr>
+          <a:xfrm>
+            <a:off x="6784622" y="1783644"/>
+            <a:ext cx="4617156" cy="646331"/>
+          </a:xfrm>
+          <a:prstGeom prst="rect">
+            <a:avLst/>
+          </a:prstGeom>
+          <a:noFill/>
+        </p:spPr>
+        <p:txBody>
+          <a:bodyPr wrap="square" rtlCol="0">
+            <a:spAutoFit/>
+          </a:bodyPr>
+          <a:lstStyle/>
+          <a:p>
+            <a:r>
+              <a:rPr lang="es-ES" dirty="0"/>
+              <a:t>Parseamos los datos para convertirlos en grados</a:t>
+            </a:r>
+          </a:p>
+        </p:txBody>
+      </p:sp>
+      <p:cxnSp>
+        <p:nvCxnSpPr>
+          <p:cNvPr id="4" name="Straight Arrow Connector 3">
+            <a:extLst>
+              <a:ext uri="{FF2B5EF4-FFF2-40B4-BE49-F238E27FC236}">
+                <a16:creationId xmlns:a16="http://schemas.microsoft.com/office/drawing/2014/main" id="{4C20CA1E-9754-4569-A847-5885B4A97760}"/>
+              </a:ext>
+            </a:extLst>
+          </p:cNvPr>
+          <p:cNvCxnSpPr>
+            <a:cxnSpLocks/>
+            <a:stCxn id="2" idx="1"/>
+          </p:cNvCxnSpPr>
+          <p:nvPr/>
+        </p:nvCxnSpPr>
+        <p:spPr>
+          <a:xfrm flipH="1" flipV="1">
+            <a:off x="3928533" y="1636889"/>
+            <a:ext cx="2856089" cy="469921"/>
+          </a:xfrm>
+          <a:prstGeom prst="straightConnector1">
+            <a:avLst/>
+          </a:prstGeom>
+          <a:ln>
+            <a:tailEnd type="triangle"/>
+          </a:ln>
+        </p:spPr>
+        <p:style>
+          <a:lnRef idx="1">
+            <a:schemeClr val="accent1"/>
+          </a:lnRef>
+          <a:fillRef idx="0">
+            <a:schemeClr val="accent1"/>
+          </a:fillRef>
+          <a:effectRef idx="0">
+            <a:schemeClr val="accent1"/>
+          </a:effectRef>
+          <a:fontRef idx="minor">
+            <a:schemeClr val="tx1"/>
+          </a:fontRef>
+        </p:style>
+      </p:cxnSp>
+      <p:cxnSp>
+        <p:nvCxnSpPr>
+          <p:cNvPr id="7" name="Straight Arrow Connector 6">
+            <a:extLst>
+              <a:ext uri="{FF2B5EF4-FFF2-40B4-BE49-F238E27FC236}">
+                <a16:creationId xmlns:a16="http://schemas.microsoft.com/office/drawing/2014/main" id="{868C5E2B-D1A0-442D-AF7C-472CB0527FEC}"/>
+              </a:ext>
+            </a:extLst>
+          </p:cNvPr>
+          <p:cNvCxnSpPr>
+            <a:cxnSpLocks/>
+            <a:stCxn id="2" idx="1"/>
+          </p:cNvCxnSpPr>
+          <p:nvPr/>
+        </p:nvCxnSpPr>
+        <p:spPr>
+          <a:xfrm flipH="1">
+            <a:off x="4052711" y="2106810"/>
+            <a:ext cx="2731911" cy="1765279"/>
+          </a:xfrm>
+          <a:prstGeom prst="straightConnector1">
+            <a:avLst/>
+          </a:prstGeom>
+          <a:ln>
+            <a:tailEnd type="triangle"/>
+          </a:ln>
+        </p:spPr>
+        <p:style>
+          <a:lnRef idx="1">
+            <a:schemeClr val="accent1"/>
+          </a:lnRef>
+          <a:fillRef idx="0">
+            <a:schemeClr val="accent1"/>
+          </a:fillRef>
+          <a:effectRef idx="0">
+            <a:schemeClr val="accent1"/>
+          </a:effectRef>
+          <a:fontRef idx="minor">
+            <a:schemeClr val="tx1"/>
+          </a:fontRef>
+        </p:style>
+      </p:cxnSp>
     </p:spTree>
     <p:extLst>
       <p:ext uri="{BB962C8B-B14F-4D97-AF65-F5344CB8AC3E}">
@@ -5914,6 +6289,159 @@
           </a:prstGeom>
         </p:spPr>
       </p:pic>
+      <p:sp>
+        <p:nvSpPr>
+          <p:cNvPr id="2" name="TextBox 1">
+            <a:extLst>
+              <a:ext uri="{FF2B5EF4-FFF2-40B4-BE49-F238E27FC236}">
+                <a16:creationId xmlns:a16="http://schemas.microsoft.com/office/drawing/2014/main" id="{B9BFA251-2FB6-4935-814C-5F2718C3CEF0}"/>
+              </a:ext>
+            </a:extLst>
+          </p:cNvPr>
+          <p:cNvSpPr txBox="1"/>
+          <p:nvPr/>
+        </p:nvSpPr>
+        <p:spPr>
+          <a:xfrm>
+            <a:off x="7078133" y="2657648"/>
+            <a:ext cx="2946400" cy="646331"/>
+          </a:xfrm>
+          <a:prstGeom prst="rect">
+            <a:avLst/>
+          </a:prstGeom>
+          <a:noFill/>
+        </p:spPr>
+        <p:txBody>
+          <a:bodyPr wrap="square" rtlCol="0">
+            <a:spAutoFit/>
+          </a:bodyPr>
+          <a:lstStyle/>
+          <a:p>
+            <a:r>
+              <a:rPr lang="es-ES" dirty="0"/>
+              <a:t>Pasamos los datos a  hexadecimal</a:t>
+            </a:r>
+          </a:p>
+        </p:txBody>
+      </p:sp>
+      <p:cxnSp>
+        <p:nvCxnSpPr>
+          <p:cNvPr id="6" name="Straight Arrow Connector 5">
+            <a:extLst>
+              <a:ext uri="{FF2B5EF4-FFF2-40B4-BE49-F238E27FC236}">
+                <a16:creationId xmlns:a16="http://schemas.microsoft.com/office/drawing/2014/main" id="{7AE4A7D0-6355-4AFE-82F7-3FD360EE3378}"/>
+              </a:ext>
+            </a:extLst>
+          </p:cNvPr>
+          <p:cNvCxnSpPr>
+            <a:cxnSpLocks/>
+            <a:stCxn id="2" idx="1"/>
+          </p:cNvCxnSpPr>
+          <p:nvPr/>
+        </p:nvCxnSpPr>
+        <p:spPr>
+          <a:xfrm flipH="1" flipV="1">
+            <a:off x="5791201" y="2085438"/>
+            <a:ext cx="1286932" cy="895376"/>
+          </a:xfrm>
+          <a:prstGeom prst="straightConnector1">
+            <a:avLst/>
+          </a:prstGeom>
+          <a:ln>
+            <a:tailEnd type="triangle"/>
+          </a:ln>
+        </p:spPr>
+        <p:style>
+          <a:lnRef idx="1">
+            <a:schemeClr val="accent1"/>
+          </a:lnRef>
+          <a:fillRef idx="0">
+            <a:schemeClr val="accent1"/>
+          </a:fillRef>
+          <a:effectRef idx="0">
+            <a:schemeClr val="accent1"/>
+          </a:effectRef>
+          <a:fontRef idx="minor">
+            <a:schemeClr val="tx1"/>
+          </a:fontRef>
+        </p:style>
+      </p:cxnSp>
+      <p:sp>
+        <p:nvSpPr>
+          <p:cNvPr id="9" name="TextBox 8">
+            <a:extLst>
+              <a:ext uri="{FF2B5EF4-FFF2-40B4-BE49-F238E27FC236}">
+                <a16:creationId xmlns:a16="http://schemas.microsoft.com/office/drawing/2014/main" id="{19D5BBA9-7DE9-49C4-81D8-96360DCF4D89}"/>
+              </a:ext>
+            </a:extLst>
+          </p:cNvPr>
+          <p:cNvSpPr txBox="1"/>
+          <p:nvPr/>
+        </p:nvSpPr>
+        <p:spPr>
+          <a:xfrm>
+            <a:off x="7360356" y="699911"/>
+            <a:ext cx="2799644" cy="646331"/>
+          </a:xfrm>
+          <a:prstGeom prst="rect">
+            <a:avLst/>
+          </a:prstGeom>
+          <a:noFill/>
+        </p:spPr>
+        <p:txBody>
+          <a:bodyPr wrap="square" rtlCol="0">
+            <a:spAutoFit/>
+          </a:bodyPr>
+          <a:lstStyle/>
+          <a:p>
+            <a:r>
+              <a:rPr lang="es-ES" dirty="0"/>
+              <a:t>Reservamos memoria para los datos</a:t>
+            </a:r>
+          </a:p>
+        </p:txBody>
+      </p:sp>
+      <p:cxnSp>
+        <p:nvCxnSpPr>
+          <p:cNvPr id="10" name="Straight Arrow Connector 9">
+            <a:extLst>
+              <a:ext uri="{FF2B5EF4-FFF2-40B4-BE49-F238E27FC236}">
+                <a16:creationId xmlns:a16="http://schemas.microsoft.com/office/drawing/2014/main" id="{E5CF2F15-89D3-45AF-BA00-805265ED2604}"/>
+              </a:ext>
+            </a:extLst>
+          </p:cNvPr>
+          <p:cNvCxnSpPr>
+            <a:cxnSpLocks/>
+          </p:cNvCxnSpPr>
+          <p:nvPr/>
+        </p:nvCxnSpPr>
+        <p:spPr>
+          <a:xfrm flipH="1">
+            <a:off x="5305778" y="1000499"/>
+            <a:ext cx="2054578" cy="375035"/>
+          </a:xfrm>
+          <a:prstGeom prst="straightConnector1">
+            <a:avLst/>
+          </a:prstGeom>
+          <a:ln>
+            <a:tailEnd type="triangle"/>
+          </a:ln>
+        </p:spPr>
+        <p:style>
+          <a:lnRef idx="1">
+            <a:schemeClr val="accent1"/>
+          </a:lnRef>
+          <a:fillRef idx="0">
+            <a:schemeClr val="accent1"/>
+          </a:fillRef>
+          <a:effectRef idx="0">
+            <a:schemeClr val="accent1"/>
+          </a:effectRef>
+          <a:fontRef idx="minor">
+            <a:schemeClr val="tx1"/>
+          </a:fontRef>
+        </p:style>
+      </p:cxnSp>
     </p:spTree>
     <p:extLst>
       <p:ext uri="{BB962C8B-B14F-4D97-AF65-F5344CB8AC3E}">
